--- a/data/G3/4.pptx
+++ b/data/G3/4.pptx
@@ -259,7 +259,7 @@
           <a:p>
             <a:fld id="{EDAB301C-3655-3547-95D0-A243383B3ED3}" type="datetimeFigureOut">
               <a:rPr kumimoji="1" lang="zh-CN" altLang="en-US" smtClean="0"/>
-              <a:t>2020/4/7</a:t>
+              <a:t>2020/5/2</a:t>
             </a:fld>
             <a:endParaRPr kumimoji="1" lang="zh-CN" altLang="en-US"/>
           </a:p>
@@ -457,7 +457,7 @@
           <a:p>
             <a:fld id="{EDAB301C-3655-3547-95D0-A243383B3ED3}" type="datetimeFigureOut">
               <a:rPr kumimoji="1" lang="zh-CN" altLang="en-US" smtClean="0"/>
-              <a:t>2020/4/7</a:t>
+              <a:t>2020/5/2</a:t>
             </a:fld>
             <a:endParaRPr kumimoji="1" lang="zh-CN" altLang="en-US"/>
           </a:p>
@@ -665,7 +665,7 @@
           <a:p>
             <a:fld id="{EDAB301C-3655-3547-95D0-A243383B3ED3}" type="datetimeFigureOut">
               <a:rPr kumimoji="1" lang="zh-CN" altLang="en-US" smtClean="0"/>
-              <a:t>2020/4/7</a:t>
+              <a:t>2020/5/2</a:t>
             </a:fld>
             <a:endParaRPr kumimoji="1" lang="zh-CN" altLang="en-US"/>
           </a:p>
@@ -863,7 +863,7 @@
           <a:p>
             <a:fld id="{EDAB301C-3655-3547-95D0-A243383B3ED3}" type="datetimeFigureOut">
               <a:rPr kumimoji="1" lang="zh-CN" altLang="en-US" smtClean="0"/>
-              <a:t>2020/4/7</a:t>
+              <a:t>2020/5/2</a:t>
             </a:fld>
             <a:endParaRPr kumimoji="1" lang="zh-CN" altLang="en-US"/>
           </a:p>
@@ -1138,7 +1138,7 @@
           <a:p>
             <a:fld id="{EDAB301C-3655-3547-95D0-A243383B3ED3}" type="datetimeFigureOut">
               <a:rPr kumimoji="1" lang="zh-CN" altLang="en-US" smtClean="0"/>
-              <a:t>2020/4/7</a:t>
+              <a:t>2020/5/2</a:t>
             </a:fld>
             <a:endParaRPr kumimoji="1" lang="zh-CN" altLang="en-US"/>
           </a:p>
@@ -1403,7 +1403,7 @@
           <a:p>
             <a:fld id="{EDAB301C-3655-3547-95D0-A243383B3ED3}" type="datetimeFigureOut">
               <a:rPr kumimoji="1" lang="zh-CN" altLang="en-US" smtClean="0"/>
-              <a:t>2020/4/7</a:t>
+              <a:t>2020/5/2</a:t>
             </a:fld>
             <a:endParaRPr kumimoji="1" lang="zh-CN" altLang="en-US"/>
           </a:p>
@@ -1815,7 +1815,7 @@
           <a:p>
             <a:fld id="{EDAB301C-3655-3547-95D0-A243383B3ED3}" type="datetimeFigureOut">
               <a:rPr kumimoji="1" lang="zh-CN" altLang="en-US" smtClean="0"/>
-              <a:t>2020/4/7</a:t>
+              <a:t>2020/5/2</a:t>
             </a:fld>
             <a:endParaRPr kumimoji="1" lang="zh-CN" altLang="en-US"/>
           </a:p>
@@ -1956,7 +1956,7 @@
           <a:p>
             <a:fld id="{EDAB301C-3655-3547-95D0-A243383B3ED3}" type="datetimeFigureOut">
               <a:rPr kumimoji="1" lang="zh-CN" altLang="en-US" smtClean="0"/>
-              <a:t>2020/4/7</a:t>
+              <a:t>2020/5/2</a:t>
             </a:fld>
             <a:endParaRPr kumimoji="1" lang="zh-CN" altLang="en-US"/>
           </a:p>
@@ -2069,7 +2069,7 @@
           <a:p>
             <a:fld id="{EDAB301C-3655-3547-95D0-A243383B3ED3}" type="datetimeFigureOut">
               <a:rPr kumimoji="1" lang="zh-CN" altLang="en-US" smtClean="0"/>
-              <a:t>2020/4/7</a:t>
+              <a:t>2020/5/2</a:t>
             </a:fld>
             <a:endParaRPr kumimoji="1" lang="zh-CN" altLang="en-US"/>
           </a:p>
@@ -2380,7 +2380,7 @@
           <a:p>
             <a:fld id="{EDAB301C-3655-3547-95D0-A243383B3ED3}" type="datetimeFigureOut">
               <a:rPr kumimoji="1" lang="zh-CN" altLang="en-US" smtClean="0"/>
-              <a:t>2020/4/7</a:t>
+              <a:t>2020/5/2</a:t>
             </a:fld>
             <a:endParaRPr kumimoji="1" lang="zh-CN" altLang="en-US"/>
           </a:p>
@@ -2668,7 +2668,7 @@
           <a:p>
             <a:fld id="{EDAB301C-3655-3547-95D0-A243383B3ED3}" type="datetimeFigureOut">
               <a:rPr kumimoji="1" lang="zh-CN" altLang="en-US" smtClean="0"/>
-              <a:t>2020/4/7</a:t>
+              <a:t>2020/5/2</a:t>
             </a:fld>
             <a:endParaRPr kumimoji="1" lang="zh-CN" altLang="en-US"/>
           </a:p>
@@ -2909,7 +2909,7 @@
           <a:p>
             <a:fld id="{EDAB301C-3655-3547-95D0-A243383B3ED3}" type="datetimeFigureOut">
               <a:rPr kumimoji="1" lang="zh-CN" altLang="en-US" smtClean="0"/>
-              <a:t>2020/4/7</a:t>
+              <a:t>2020/5/2</a:t>
             </a:fld>
             <a:endParaRPr kumimoji="1" lang="zh-CN" altLang="en-US"/>
           </a:p>
@@ -3342,10 +3342,10 @@
       </p:grpSpPr>
       <p:sp>
         <p:nvSpPr>
-          <p:cNvPr id="3" name="文本框 2">
-            <a:extLst>
-              <a:ext uri="{FF2B5EF4-FFF2-40B4-BE49-F238E27FC236}">
-                <a16:creationId xmlns:a16="http://schemas.microsoft.com/office/drawing/2014/main" id="{3DF6B5BD-6787-5843-8E62-63236265B808}"/>
+          <p:cNvPr id="8" name="文本框 7">
+            <a:extLst>
+              <a:ext uri="{FF2B5EF4-FFF2-40B4-BE49-F238E27FC236}">
+                <a16:creationId xmlns:a16="http://schemas.microsoft.com/office/drawing/2014/main" id="{35DB2B76-3017-1B4F-8101-0E8933BD4016}"/>
               </a:ext>
             </a:extLst>
           </p:cNvPr>
@@ -3354,7 +3354,7 @@
         </p:nvSpPr>
         <p:spPr>
           <a:xfrm>
-            <a:off x="8744606" y="5171090"/>
+            <a:off x="11172497" y="6180082"/>
             <a:ext cx="415498" cy="369332"/>
           </a:xfrm>
           <a:prstGeom prst="rect">
@@ -3378,10 +3378,10 @@
       </p:sp>
       <p:sp>
         <p:nvSpPr>
-          <p:cNvPr id="4" name="文本框 3">
-            <a:extLst>
-              <a:ext uri="{FF2B5EF4-FFF2-40B4-BE49-F238E27FC236}">
-                <a16:creationId xmlns:a16="http://schemas.microsoft.com/office/drawing/2014/main" id="{605115DE-219A-E74A-8131-4C052FA62DC3}"/>
+          <p:cNvPr id="19" name="文本框 18">
+            <a:extLst>
+              <a:ext uri="{FF2B5EF4-FFF2-40B4-BE49-F238E27FC236}">
+                <a16:creationId xmlns:a16="http://schemas.microsoft.com/office/drawing/2014/main" id="{72DF28CD-ECE7-DA4F-8FBD-BDCB9F1B64CC}"/>
               </a:ext>
             </a:extLst>
           </p:cNvPr>
@@ -3390,7 +3390,7 @@
         </p:nvSpPr>
         <p:spPr>
           <a:xfrm>
-            <a:off x="10962290" y="3429000"/>
+            <a:off x="8765628" y="1492469"/>
             <a:ext cx="415498" cy="369332"/>
           </a:xfrm>
           <a:prstGeom prst="rect">
@@ -3414,10 +3414,10 @@
       </p:sp>
       <p:sp>
         <p:nvSpPr>
-          <p:cNvPr id="5" name="文本框 4">
-            <a:extLst>
-              <a:ext uri="{FF2B5EF4-FFF2-40B4-BE49-F238E27FC236}">
-                <a16:creationId xmlns:a16="http://schemas.microsoft.com/office/drawing/2014/main" id="{7B3BAA86-213E-A840-89A1-EF498573B0FD}"/>
+          <p:cNvPr id="20" name="文本框 19">
+            <a:extLst>
+              <a:ext uri="{FF2B5EF4-FFF2-40B4-BE49-F238E27FC236}">
+                <a16:creationId xmlns:a16="http://schemas.microsoft.com/office/drawing/2014/main" id="{91765C44-48A3-AD4E-B9DE-9A399CB30ED1}"/>
               </a:ext>
             </a:extLst>
           </p:cNvPr>
@@ -3426,7 +3426,7 @@
         </p:nvSpPr>
         <p:spPr>
           <a:xfrm>
-            <a:off x="10962290" y="3153103"/>
+            <a:off x="3352799" y="4445875"/>
             <a:ext cx="415498" cy="369332"/>
           </a:xfrm>
           <a:prstGeom prst="rect">
@@ -3450,10 +3450,10 @@
       </p:sp>
       <p:sp>
         <p:nvSpPr>
-          <p:cNvPr id="6" name="文本框 5">
-            <a:extLst>
-              <a:ext uri="{FF2B5EF4-FFF2-40B4-BE49-F238E27FC236}">
-                <a16:creationId xmlns:a16="http://schemas.microsoft.com/office/drawing/2014/main" id="{44CFF079-935D-8D4F-B092-C709B57EE08C}"/>
+          <p:cNvPr id="21" name="文本框 20">
+            <a:extLst>
+              <a:ext uri="{FF2B5EF4-FFF2-40B4-BE49-F238E27FC236}">
+                <a16:creationId xmlns:a16="http://schemas.microsoft.com/office/drawing/2014/main" id="{9B013DD0-286F-434E-AA34-0FC065ADC143}"/>
               </a:ext>
             </a:extLst>
           </p:cNvPr>
@@ -3462,7 +3462,7 @@
         </p:nvSpPr>
         <p:spPr>
           <a:xfrm>
-            <a:off x="11170039" y="3522435"/>
+            <a:off x="10815145" y="3237186"/>
             <a:ext cx="415498" cy="369332"/>
           </a:xfrm>
           <a:prstGeom prst="rect">
@@ -3478,7 +3478,7 @@
           <a:p>
             <a:r>
               <a:rPr lang="zh-CN" altLang="en-US" dirty="0"/>
-              <a:t>④</a:t>
+              <a:t>⑤</a:t>
             </a:r>
             <a:endParaRPr kumimoji="1" lang="zh-CN" altLang="en-US" dirty="0"/>
           </a:p>
@@ -3486,53 +3486,19 @@
       </p:sp>
       <p:sp>
         <p:nvSpPr>
-          <p:cNvPr id="7" name="矩形 6">
-            <a:extLst>
-              <a:ext uri="{FF2B5EF4-FFF2-40B4-BE49-F238E27FC236}">
-                <a16:creationId xmlns:a16="http://schemas.microsoft.com/office/drawing/2014/main" id="{E878CCEA-2526-A04F-99F2-1C9E77B27EF2}"/>
-              </a:ext>
-            </a:extLst>
-          </p:cNvPr>
-          <p:cNvSpPr/>
+          <p:cNvPr id="22" name="文本框 21">
+            <a:extLst>
+              <a:ext uri="{FF2B5EF4-FFF2-40B4-BE49-F238E27FC236}">
+                <a16:creationId xmlns:a16="http://schemas.microsoft.com/office/drawing/2014/main" id="{8A35A34C-37C1-F347-9793-285A947DE325}"/>
+              </a:ext>
+            </a:extLst>
+          </p:cNvPr>
+          <p:cNvSpPr txBox="1"/>
           <p:nvPr/>
         </p:nvSpPr>
         <p:spPr>
           <a:xfrm>
-            <a:off x="841057" y="3337769"/>
-            <a:ext cx="415498" cy="369332"/>
-          </a:xfrm>
-          <a:prstGeom prst="rect">
-            <a:avLst/>
-          </a:prstGeom>
-        </p:spPr>
-        <p:txBody>
-          <a:bodyPr wrap="none">
-            <a:spAutoFit/>
-          </a:bodyPr>
-          <a:lstStyle/>
-          <a:p>
-            <a:r>
-              <a:rPr lang="zh-CN" altLang="en-US" dirty="0"/>
-              <a:t>⑤</a:t>
-            </a:r>
-          </a:p>
-        </p:txBody>
-      </p:sp>
-      <p:sp>
-        <p:nvSpPr>
-          <p:cNvPr id="9" name="文本框 8">
-            <a:extLst>
-              <a:ext uri="{FF2B5EF4-FFF2-40B4-BE49-F238E27FC236}">
-                <a16:creationId xmlns:a16="http://schemas.microsoft.com/office/drawing/2014/main" id="{22D94E93-4A3D-A84D-844D-13EEB436B967}"/>
-              </a:ext>
-            </a:extLst>
-          </p:cNvPr>
-          <p:cNvSpPr txBox="1"/>
-          <p:nvPr/>
-        </p:nvSpPr>
-        <p:spPr>
-          <a:xfrm>
-            <a:off x="9417269" y="4414345"/>
+            <a:off x="2112579" y="4677103"/>
             <a:ext cx="415498" cy="369332"/>
           </a:xfrm>
           <a:prstGeom prst="rect">
@@ -3556,10 +3522,10 @@
       </p:sp>
       <p:sp>
         <p:nvSpPr>
-          <p:cNvPr id="10" name="文本框 9">
-            <a:extLst>
-              <a:ext uri="{FF2B5EF4-FFF2-40B4-BE49-F238E27FC236}">
-                <a16:creationId xmlns:a16="http://schemas.microsoft.com/office/drawing/2014/main" id="{38466A01-15A3-D842-9792-7C389974AC1B}"/>
+          <p:cNvPr id="23" name="文本框 22">
+            <a:extLst>
+              <a:ext uri="{FF2B5EF4-FFF2-40B4-BE49-F238E27FC236}">
+                <a16:creationId xmlns:a16="http://schemas.microsoft.com/office/drawing/2014/main" id="{944C5EA5-0CBA-EA48-B84C-43191A1E4275}"/>
               </a:ext>
             </a:extLst>
           </p:cNvPr>
@@ -3568,7 +3534,7 @@
         </p:nvSpPr>
         <p:spPr>
           <a:xfrm>
-            <a:off x="9641123" y="4599011"/>
+            <a:off x="10820062" y="3429000"/>
             <a:ext cx="415498" cy="369332"/>
           </a:xfrm>
           <a:prstGeom prst="rect">
@@ -3592,10 +3558,10 @@
       </p:sp>
       <p:sp>
         <p:nvSpPr>
-          <p:cNvPr id="11" name="文本框 10">
-            <a:extLst>
-              <a:ext uri="{FF2B5EF4-FFF2-40B4-BE49-F238E27FC236}">
-                <a16:creationId xmlns:a16="http://schemas.microsoft.com/office/drawing/2014/main" id="{88AD8C3D-2CE0-8643-826D-E0DB50EB65FA}"/>
+          <p:cNvPr id="24" name="文本框 23">
+            <a:extLst>
+              <a:ext uri="{FF2B5EF4-FFF2-40B4-BE49-F238E27FC236}">
+                <a16:creationId xmlns:a16="http://schemas.microsoft.com/office/drawing/2014/main" id="{6E0BB332-FD3B-CD40-86A9-AB21E947FE39}"/>
               </a:ext>
             </a:extLst>
           </p:cNvPr>
@@ -3604,7 +3570,7 @@
         </p:nvSpPr>
         <p:spPr>
           <a:xfrm>
-            <a:off x="11035862" y="2900855"/>
+            <a:off x="851338" y="3059668"/>
             <a:ext cx="415498" cy="369332"/>
           </a:xfrm>
           <a:prstGeom prst="rect">
@@ -3628,10 +3594,10 @@
       </p:sp>
       <p:sp>
         <p:nvSpPr>
-          <p:cNvPr id="12" name="文本框 11">
-            <a:extLst>
-              <a:ext uri="{FF2B5EF4-FFF2-40B4-BE49-F238E27FC236}">
-                <a16:creationId xmlns:a16="http://schemas.microsoft.com/office/drawing/2014/main" id="{A9CFFB52-74DA-4843-B7EF-1073ACA05CFE}"/>
+          <p:cNvPr id="25" name="文本框 24">
+            <a:extLst>
+              <a:ext uri="{FF2B5EF4-FFF2-40B4-BE49-F238E27FC236}">
+                <a16:creationId xmlns:a16="http://schemas.microsoft.com/office/drawing/2014/main" id="{CE506987-6B4C-0341-BDF4-44AA57A402C3}"/>
               </a:ext>
             </a:extLst>
           </p:cNvPr>
@@ -3640,7 +3606,7 @@
         </p:nvSpPr>
         <p:spPr>
           <a:xfrm>
-            <a:off x="2049517" y="3153103"/>
+            <a:off x="9375228" y="2102069"/>
             <a:ext cx="415498" cy="369332"/>
           </a:xfrm>
           <a:prstGeom prst="rect">
@@ -3664,10 +3630,10 @@
       </p:sp>
       <p:sp>
         <p:nvSpPr>
-          <p:cNvPr id="13" name="文本框 12">
-            <a:extLst>
-              <a:ext uri="{FF2B5EF4-FFF2-40B4-BE49-F238E27FC236}">
-                <a16:creationId xmlns:a16="http://schemas.microsoft.com/office/drawing/2014/main" id="{99D228C6-0DC1-C049-B230-543817C0C6C6}"/>
+          <p:cNvPr id="26" name="文本框 25">
+            <a:extLst>
+              <a:ext uri="{FF2B5EF4-FFF2-40B4-BE49-F238E27FC236}">
+                <a16:creationId xmlns:a16="http://schemas.microsoft.com/office/drawing/2014/main" id="{A2E94A32-3B30-5F41-8935-C4B431395B1B}"/>
               </a:ext>
             </a:extLst>
           </p:cNvPr>
@@ -3676,7 +3642,43 @@
         </p:nvSpPr>
         <p:spPr>
           <a:xfrm>
-            <a:off x="9625018" y="2343806"/>
+            <a:off x="10962290" y="3058510"/>
+            <a:ext cx="415498" cy="369332"/>
+          </a:xfrm>
+          <a:prstGeom prst="rect">
+            <a:avLst/>
+          </a:prstGeom>
+          <a:noFill/>
+        </p:spPr>
+        <p:txBody>
+          <a:bodyPr wrap="none" rtlCol="0">
+            <a:spAutoFit/>
+          </a:bodyPr>
+          <a:lstStyle/>
+          <a:p>
+            <a:r>
+              <a:rPr lang="zh-CN" altLang="en-US" dirty="0"/>
+              <a:t>⑩</a:t>
+            </a:r>
+            <a:endParaRPr kumimoji="1" lang="zh-CN" altLang="en-US" dirty="0"/>
+          </a:p>
+        </p:txBody>
+      </p:sp>
+      <p:sp>
+        <p:nvSpPr>
+          <p:cNvPr id="27" name="文本框 26">
+            <a:extLst>
+              <a:ext uri="{FF2B5EF4-FFF2-40B4-BE49-F238E27FC236}">
+                <a16:creationId xmlns:a16="http://schemas.microsoft.com/office/drawing/2014/main" id="{F05F97D1-C55D-5C45-BB78-67BC10E69B8A}"/>
+              </a:ext>
+            </a:extLst>
+          </p:cNvPr>
+          <p:cNvSpPr txBox="1"/>
+          <p:nvPr/>
+        </p:nvSpPr>
+        <p:spPr>
+          <a:xfrm>
+            <a:off x="1193941" y="3331779"/>
             <a:ext cx="461986" cy="369332"/>
           </a:xfrm>
           <a:prstGeom prst="rect">
@@ -3700,10 +3702,10 @@
       </p:sp>
       <p:sp>
         <p:nvSpPr>
-          <p:cNvPr id="14" name="文本框 13">
-            <a:extLst>
-              <a:ext uri="{FF2B5EF4-FFF2-40B4-BE49-F238E27FC236}">
-                <a16:creationId xmlns:a16="http://schemas.microsoft.com/office/drawing/2014/main" id="{2CBED1D8-AC0A-884C-A340-689A4E14CB97}"/>
+          <p:cNvPr id="28" name="文本框 27">
+            <a:extLst>
+              <a:ext uri="{FF2B5EF4-FFF2-40B4-BE49-F238E27FC236}">
+                <a16:creationId xmlns:a16="http://schemas.microsoft.com/office/drawing/2014/main" id="{FA38B8C3-458B-D940-84AA-E1A965A0DDC0}"/>
               </a:ext>
             </a:extLst>
           </p:cNvPr>
@@ -3712,7 +3714,7 @@
         </p:nvSpPr>
         <p:spPr>
           <a:xfrm>
-            <a:off x="2800903" y="5171090"/>
+            <a:off x="2942897" y="1439917"/>
             <a:ext cx="461986" cy="369332"/>
           </a:xfrm>
           <a:prstGeom prst="rect">
@@ -3736,10 +3738,10 @@
       </p:sp>
       <p:sp>
         <p:nvSpPr>
-          <p:cNvPr id="15" name="文本框 14">
-            <a:extLst>
-              <a:ext uri="{FF2B5EF4-FFF2-40B4-BE49-F238E27FC236}">
-                <a16:creationId xmlns:a16="http://schemas.microsoft.com/office/drawing/2014/main" id="{3B540DA8-47BB-FF4A-BB5A-0BD55CF40E3E}"/>
+          <p:cNvPr id="29" name="文本框 28">
+            <a:extLst>
+              <a:ext uri="{FF2B5EF4-FFF2-40B4-BE49-F238E27FC236}">
+                <a16:creationId xmlns:a16="http://schemas.microsoft.com/office/drawing/2014/main" id="{6125E58D-AE63-6F4E-A7EA-BCA984B3AC49}"/>
               </a:ext>
             </a:extLst>
           </p:cNvPr>
@@ -3748,7 +3750,7 @@
         </p:nvSpPr>
         <p:spPr>
           <a:xfrm>
-            <a:off x="1048806" y="3180113"/>
+            <a:off x="11070764" y="3516445"/>
             <a:ext cx="461986" cy="369332"/>
           </a:xfrm>
           <a:prstGeom prst="rect">
@@ -3772,10 +3774,10 @@
       </p:sp>
       <p:sp>
         <p:nvSpPr>
-          <p:cNvPr id="16" name="文本框 15">
-            <a:extLst>
-              <a:ext uri="{FF2B5EF4-FFF2-40B4-BE49-F238E27FC236}">
-                <a16:creationId xmlns:a16="http://schemas.microsoft.com/office/drawing/2014/main" id="{C32EF9A7-7F51-FB47-9CAA-76FC49289EC7}"/>
+          <p:cNvPr id="30" name="文本框 29">
+            <a:extLst>
+              <a:ext uri="{FF2B5EF4-FFF2-40B4-BE49-F238E27FC236}">
+                <a16:creationId xmlns:a16="http://schemas.microsoft.com/office/drawing/2014/main" id="{A415A69D-1DDF-E74A-B2D9-05A92C2A6F15}"/>
               </a:ext>
             </a:extLst>
           </p:cNvPr>
@@ -3784,7 +3786,7 @@
         </p:nvSpPr>
         <p:spPr>
           <a:xfrm>
-            <a:off x="8282620" y="2159140"/>
+            <a:off x="10608778" y="3805480"/>
             <a:ext cx="461986" cy="369332"/>
           </a:xfrm>
           <a:prstGeom prst="rect">
@@ -3800,7 +3802,7 @@
           <a:p>
             <a:r>
               <a:rPr lang="zh-CN" altLang="en-US" dirty="0"/>
-              <a:t>⑯</a:t>
+              <a:t>⑮</a:t>
             </a:r>
             <a:endParaRPr kumimoji="1" lang="zh-CN" altLang="en-US" dirty="0"/>
           </a:p>
@@ -3808,10 +3810,10 @@
       </p:sp>
       <p:sp>
         <p:nvSpPr>
-          <p:cNvPr id="17" name="文本框 16">
-            <a:extLst>
-              <a:ext uri="{FF2B5EF4-FFF2-40B4-BE49-F238E27FC236}">
-                <a16:creationId xmlns:a16="http://schemas.microsoft.com/office/drawing/2014/main" id="{8B2F57A5-4682-CD42-827A-690D133E8554}"/>
+          <p:cNvPr id="31" name="文本框 30">
+            <a:extLst>
+              <a:ext uri="{FF2B5EF4-FFF2-40B4-BE49-F238E27FC236}">
+                <a16:creationId xmlns:a16="http://schemas.microsoft.com/office/drawing/2014/main" id="{2C75E533-03C7-7F47-9037-903C3D65CB75}"/>
               </a:ext>
             </a:extLst>
           </p:cNvPr>
@@ -3820,8 +3822,8 @@
         </p:nvSpPr>
         <p:spPr>
           <a:xfrm>
-            <a:off x="8450317" y="1933903"/>
-            <a:ext cx="461986" cy="369332"/>
+            <a:off x="10871094" y="3701111"/>
+            <a:ext cx="415498" cy="369332"/>
           </a:xfrm>
           <a:prstGeom prst="rect">
             <a:avLst/>
@@ -3836,7 +3838,7 @@
           <a:p>
             <a:r>
               <a:rPr lang="zh-CN" altLang="en-US" dirty="0"/>
-              <a:t>⑰</a:t>
+              <a:t>㉑</a:t>
             </a:r>
             <a:endParaRPr kumimoji="1" lang="zh-CN" altLang="en-US" dirty="0"/>
           </a:p>
@@ -3844,10 +3846,10 @@
       </p:sp>
       <p:sp>
         <p:nvSpPr>
-          <p:cNvPr id="18" name="文本框 17">
-            <a:extLst>
-              <a:ext uri="{FF2B5EF4-FFF2-40B4-BE49-F238E27FC236}">
-                <a16:creationId xmlns:a16="http://schemas.microsoft.com/office/drawing/2014/main" id="{50CAB838-2B32-E641-A2C5-99C86B02E677}"/>
+          <p:cNvPr id="32" name="文本框 31">
+            <a:extLst>
+              <a:ext uri="{FF2B5EF4-FFF2-40B4-BE49-F238E27FC236}">
+                <a16:creationId xmlns:a16="http://schemas.microsoft.com/office/drawing/2014/main" id="{589829E4-E486-444E-895F-AA9EC8F0B340}"/>
               </a:ext>
             </a:extLst>
           </p:cNvPr>
@@ -3856,8 +3858,8 @@
         </p:nvSpPr>
         <p:spPr>
           <a:xfrm>
-            <a:off x="10657725" y="3424479"/>
-            <a:ext cx="461986" cy="369332"/>
+            <a:off x="5801710" y="2585545"/>
+            <a:ext cx="415498" cy="369332"/>
           </a:xfrm>
           <a:prstGeom prst="rect">
             <a:avLst/>
@@ -3872,7 +3874,115 @@
           <a:p>
             <a:r>
               <a:rPr lang="zh-CN" altLang="en-US" dirty="0"/>
-              <a:t>⑲</a:t>
+              <a:t>㉒</a:t>
+            </a:r>
+            <a:endParaRPr kumimoji="1" lang="zh-CN" altLang="en-US" dirty="0"/>
+          </a:p>
+        </p:txBody>
+      </p:sp>
+      <p:sp>
+        <p:nvSpPr>
+          <p:cNvPr id="33" name="文本框 32">
+            <a:extLst>
+              <a:ext uri="{FF2B5EF4-FFF2-40B4-BE49-F238E27FC236}">
+                <a16:creationId xmlns:a16="http://schemas.microsoft.com/office/drawing/2014/main" id="{6A2852AA-35FF-1E45-A379-C7B34C182E81}"/>
+              </a:ext>
+            </a:extLst>
+          </p:cNvPr>
+          <p:cNvSpPr txBox="1"/>
+          <p:nvPr/>
+        </p:nvSpPr>
+        <p:spPr>
+          <a:xfrm flipH="1">
+            <a:off x="11230642" y="3235872"/>
+            <a:ext cx="357353" cy="369332"/>
+          </a:xfrm>
+          <a:prstGeom prst="rect">
+            <a:avLst/>
+          </a:prstGeom>
+          <a:noFill/>
+        </p:spPr>
+        <p:txBody>
+          <a:bodyPr wrap="square" rtlCol="0">
+            <a:spAutoFit/>
+          </a:bodyPr>
+          <a:lstStyle/>
+          <a:p>
+            <a:r>
+              <a:rPr lang="zh-CN" altLang="en-US" dirty="0"/>
+              <a:t>㉒</a:t>
+            </a:r>
+            <a:endParaRPr kumimoji="1" lang="zh-CN" altLang="en-US" dirty="0"/>
+          </a:p>
+        </p:txBody>
+      </p:sp>
+      <p:sp>
+        <p:nvSpPr>
+          <p:cNvPr id="34" name="文本框 33">
+            <a:extLst>
+              <a:ext uri="{FF2B5EF4-FFF2-40B4-BE49-F238E27FC236}">
+                <a16:creationId xmlns:a16="http://schemas.microsoft.com/office/drawing/2014/main" id="{83C34113-0483-DB43-98B6-AA9854881FCC}"/>
+              </a:ext>
+            </a:extLst>
+          </p:cNvPr>
+          <p:cNvSpPr txBox="1"/>
+          <p:nvPr/>
+        </p:nvSpPr>
+        <p:spPr>
+          <a:xfrm>
+            <a:off x="11151409" y="3709573"/>
+            <a:ext cx="415498" cy="369332"/>
+          </a:xfrm>
+          <a:prstGeom prst="rect">
+            <a:avLst/>
+          </a:prstGeom>
+          <a:noFill/>
+        </p:spPr>
+        <p:txBody>
+          <a:bodyPr wrap="none" rtlCol="0">
+            <a:spAutoFit/>
+          </a:bodyPr>
+          <a:lstStyle/>
+          <a:p>
+            <a:r>
+              <a:rPr lang="zh-CN" altLang="en-US" dirty="0"/>
+              <a:t>㉓</a:t>
+            </a:r>
+            <a:endParaRPr kumimoji="1" lang="zh-CN" altLang="en-US" dirty="0"/>
+          </a:p>
+        </p:txBody>
+      </p:sp>
+      <p:sp>
+        <p:nvSpPr>
+          <p:cNvPr id="35" name="文本框 34">
+            <a:extLst>
+              <a:ext uri="{FF2B5EF4-FFF2-40B4-BE49-F238E27FC236}">
+                <a16:creationId xmlns:a16="http://schemas.microsoft.com/office/drawing/2014/main" id="{8EC70EB6-BC1B-B246-8E56-9799D130BA64}"/>
+              </a:ext>
+            </a:extLst>
+          </p:cNvPr>
+          <p:cNvSpPr txBox="1"/>
+          <p:nvPr/>
+        </p:nvSpPr>
+        <p:spPr>
+          <a:xfrm>
+            <a:off x="8557879" y="1845301"/>
+            <a:ext cx="415498" cy="369332"/>
+          </a:xfrm>
+          <a:prstGeom prst="rect">
+            <a:avLst/>
+          </a:prstGeom>
+          <a:noFill/>
+        </p:spPr>
+        <p:txBody>
+          <a:bodyPr wrap="none" rtlCol="0">
+            <a:spAutoFit/>
+          </a:bodyPr>
+          <a:lstStyle/>
+          <a:p>
+            <a:r>
+              <a:rPr lang="zh-CN" altLang="en-US" dirty="0"/>
+              <a:t>㉔</a:t>
             </a:r>
             <a:endParaRPr kumimoji="1" lang="zh-CN" altLang="en-US" dirty="0"/>
           </a:p>
